--- a/UML/UML.pptx
+++ b/UML/UML.pptx
@@ -868,7 +868,7 @@
           <a:noFill/>
           <a:extLst>
             <a:ext uri="{909E8E84-426E-40dd-AFC4-6F175D3DCCD1}">
-              <a14:hiddenFill xmlns:a14="http://schemas.microsoft.com/office/drawing/2010/main" xmlns="">
+              <a14:hiddenFill xmlns="" xmlns:a14="http://schemas.microsoft.com/office/drawing/2010/main">
                 <a:solidFill>
                   <a:srgbClr val="FFFFFF"/>
                 </a:solidFill>
@@ -928,7 +928,7 @@
             </a:ln>
             <a:extLst>
               <a:ext uri="{91240B29-F687-4f45-9708-019B960494DF}">
-                <a14:hiddenLine xmlns:a14="http://schemas.microsoft.com/office/drawing/2010/main" xmlns="" w="9525">
+                <a14:hiddenLine xmlns="" xmlns:a14="http://schemas.microsoft.com/office/drawing/2010/main" w="9525">
                   <a:solidFill>
                     <a:srgbClr val="000000"/>
                   </a:solidFill>
@@ -1018,7 +1018,7 @@
             </a:ln>
             <a:extLst>
               <a:ext uri="{91240B29-F687-4f45-9708-019B960494DF}">
-                <a14:hiddenLine xmlns:a14="http://schemas.microsoft.com/office/drawing/2010/main" xmlns="" w="9525">
+                <a14:hiddenLine xmlns="" xmlns:a14="http://schemas.microsoft.com/office/drawing/2010/main" w="9525">
                   <a:solidFill>
                     <a:srgbClr val="000000"/>
                   </a:solidFill>
@@ -1108,7 +1108,7 @@
             </a:ln>
             <a:extLst>
               <a:ext uri="{91240B29-F687-4f45-9708-019B960494DF}">
-                <a14:hiddenLine xmlns:a14="http://schemas.microsoft.com/office/drawing/2010/main" xmlns="" w="9525">
+                <a14:hiddenLine xmlns="" xmlns:a14="http://schemas.microsoft.com/office/drawing/2010/main" w="9525">
                   <a:solidFill>
                     <a:srgbClr val="000000"/>
                   </a:solidFill>
@@ -1142,7 +1142,7 @@
             </a:ln>
             <a:extLst>
               <a:ext uri="{91240B29-F687-4f45-9708-019B960494DF}">
-                <a14:hiddenLine xmlns:a14="http://schemas.microsoft.com/office/drawing/2010/main" xmlns="" w="9525">
+                <a14:hiddenLine xmlns="" xmlns:a14="http://schemas.microsoft.com/office/drawing/2010/main" w="9525">
                   <a:solidFill>
                     <a:srgbClr val="000000"/>
                   </a:solidFill>
@@ -1232,7 +1232,7 @@
             </a:ln>
             <a:extLst>
               <a:ext uri="{91240B29-F687-4f45-9708-019B960494DF}">
-                <a14:hiddenLine xmlns:a14="http://schemas.microsoft.com/office/drawing/2010/main" xmlns="" w="9525">
+                <a14:hiddenLine xmlns="" xmlns:a14="http://schemas.microsoft.com/office/drawing/2010/main" w="9525">
                   <a:solidFill>
                     <a:srgbClr val="000000"/>
                   </a:solidFill>
@@ -1294,7 +1294,7 @@
             </a:ln>
             <a:extLst>
               <a:ext uri="{91240B29-F687-4f45-9708-019B960494DF}">
-                <a14:hiddenLine xmlns:a14="http://schemas.microsoft.com/office/drawing/2010/main" xmlns="" w="9525">
+                <a14:hiddenLine xmlns="" xmlns:a14="http://schemas.microsoft.com/office/drawing/2010/main" w="9525">
                   <a:solidFill>
                     <a:srgbClr val="000000"/>
                   </a:solidFill>
@@ -1356,7 +1356,7 @@
             </a:ln>
             <a:extLst>
               <a:ext uri="{91240B29-F687-4f45-9708-019B960494DF}">
-                <a14:hiddenLine xmlns:a14="http://schemas.microsoft.com/office/drawing/2010/main" xmlns="" w="9525">
+                <a14:hiddenLine xmlns="" xmlns:a14="http://schemas.microsoft.com/office/drawing/2010/main" w="9525">
                   <a:solidFill>
                     <a:srgbClr val="000000"/>
                   </a:solidFill>
@@ -1446,7 +1446,7 @@
             </a:ln>
             <a:extLst>
               <a:ext uri="{91240B29-F687-4f45-9708-019B960494DF}">
-                <a14:hiddenLine xmlns:a14="http://schemas.microsoft.com/office/drawing/2010/main" xmlns="" w="9525">
+                <a14:hiddenLine xmlns="" xmlns:a14="http://schemas.microsoft.com/office/drawing/2010/main" w="9525">
                   <a:solidFill>
                     <a:srgbClr val="000000"/>
                   </a:solidFill>
@@ -1508,7 +1508,7 @@
             </a:ln>
             <a:extLst>
               <a:ext uri="{91240B29-F687-4f45-9708-019B960494DF}">
-                <a14:hiddenLine xmlns:a14="http://schemas.microsoft.com/office/drawing/2010/main" xmlns="" w="9525">
+                <a14:hiddenLine xmlns="" xmlns:a14="http://schemas.microsoft.com/office/drawing/2010/main" w="9525">
                   <a:solidFill>
                     <a:srgbClr val="000000"/>
                   </a:solidFill>
@@ -1570,7 +1570,7 @@
             </a:ln>
             <a:extLst>
               <a:ext uri="{91240B29-F687-4f45-9708-019B960494DF}">
-                <a14:hiddenLine xmlns:a14="http://schemas.microsoft.com/office/drawing/2010/main" xmlns="" w="9525">
+                <a14:hiddenLine xmlns="" xmlns:a14="http://schemas.microsoft.com/office/drawing/2010/main" w="9525">
                   <a:solidFill>
                     <a:srgbClr val="000000"/>
                   </a:solidFill>
@@ -1660,7 +1660,7 @@
             </a:ln>
             <a:extLst>
               <a:ext uri="{91240B29-F687-4f45-9708-019B960494DF}">
-                <a14:hiddenLine xmlns:a14="http://schemas.microsoft.com/office/drawing/2010/main" xmlns="" w="9525">
+                <a14:hiddenLine xmlns="" xmlns:a14="http://schemas.microsoft.com/office/drawing/2010/main" w="9525">
                   <a:solidFill>
                     <a:srgbClr val="000000"/>
                   </a:solidFill>
@@ -1750,7 +1750,7 @@
             </a:ln>
             <a:extLst>
               <a:ext uri="{91240B29-F687-4f45-9708-019B960494DF}">
-                <a14:hiddenLine xmlns:a14="http://schemas.microsoft.com/office/drawing/2010/main" xmlns="" w="9525">
+                <a14:hiddenLine xmlns="" xmlns:a14="http://schemas.microsoft.com/office/drawing/2010/main" w="9525">
                   <a:solidFill>
                     <a:srgbClr val="000000"/>
                   </a:solidFill>
@@ -1812,7 +1812,7 @@
             </a:ln>
             <a:extLst>
               <a:ext uri="{91240B29-F687-4f45-9708-019B960494DF}">
-                <a14:hiddenLine xmlns:a14="http://schemas.microsoft.com/office/drawing/2010/main" xmlns="" w="9525">
+                <a14:hiddenLine xmlns="" xmlns:a14="http://schemas.microsoft.com/office/drawing/2010/main" w="9525">
                   <a:solidFill>
                     <a:srgbClr val="000000"/>
                   </a:solidFill>
@@ -1922,7 +1922,7 @@
             </a:ln>
             <a:extLst>
               <a:ext uri="{91240B29-F687-4f45-9708-019B960494DF}">
-                <a14:hiddenLine xmlns:a14="http://schemas.microsoft.com/office/drawing/2010/main" xmlns="" w="9525">
+                <a14:hiddenLine xmlns="" xmlns:a14="http://schemas.microsoft.com/office/drawing/2010/main" w="9525">
                   <a:solidFill>
                     <a:srgbClr val="000000"/>
                   </a:solidFill>
@@ -1984,7 +1984,7 @@
             </a:ln>
             <a:extLst>
               <a:ext uri="{91240B29-F687-4f45-9708-019B960494DF}">
-                <a14:hiddenLine xmlns:a14="http://schemas.microsoft.com/office/drawing/2010/main" xmlns="" w="9525">
+                <a14:hiddenLine xmlns="" xmlns:a14="http://schemas.microsoft.com/office/drawing/2010/main" w="9525">
                   <a:solidFill>
                     <a:srgbClr val="000000"/>
                   </a:solidFill>
@@ -2074,7 +2074,7 @@
             </a:ln>
             <a:extLst>
               <a:ext uri="{91240B29-F687-4f45-9708-019B960494DF}">
-                <a14:hiddenLine xmlns:a14="http://schemas.microsoft.com/office/drawing/2010/main" xmlns="" w="9525">
+                <a14:hiddenLine xmlns="" xmlns:a14="http://schemas.microsoft.com/office/drawing/2010/main" w="9525">
                   <a:solidFill>
                     <a:srgbClr val="000000"/>
                   </a:solidFill>
@@ -2164,7 +2164,7 @@
             </a:ln>
             <a:extLst>
               <a:ext uri="{91240B29-F687-4f45-9708-019B960494DF}">
-                <a14:hiddenLine xmlns:a14="http://schemas.microsoft.com/office/drawing/2010/main" xmlns="" w="9525">
+                <a14:hiddenLine xmlns="" xmlns:a14="http://schemas.microsoft.com/office/drawing/2010/main" w="9525">
                   <a:solidFill>
                     <a:srgbClr val="000000"/>
                   </a:solidFill>
@@ -2226,7 +2226,7 @@
             </a:ln>
             <a:extLst>
               <a:ext uri="{91240B29-F687-4f45-9708-019B960494DF}">
-                <a14:hiddenLine xmlns:a14="http://schemas.microsoft.com/office/drawing/2010/main" xmlns="" w="9525">
+                <a14:hiddenLine xmlns="" xmlns:a14="http://schemas.microsoft.com/office/drawing/2010/main" w="9525">
                   <a:solidFill>
                     <a:srgbClr val="000000"/>
                   </a:solidFill>
@@ -2316,7 +2316,7 @@
             </a:ln>
             <a:extLst>
               <a:ext uri="{91240B29-F687-4f45-9708-019B960494DF}">
-                <a14:hiddenLine xmlns:a14="http://schemas.microsoft.com/office/drawing/2010/main" xmlns="" w="9525">
+                <a14:hiddenLine xmlns="" xmlns:a14="http://schemas.microsoft.com/office/drawing/2010/main" w="9525">
                   <a:solidFill>
                     <a:srgbClr val="000000"/>
                   </a:solidFill>
@@ -2406,7 +2406,7 @@
             </a:ln>
             <a:extLst>
               <a:ext uri="{91240B29-F687-4f45-9708-019B960494DF}">
-                <a14:hiddenLine xmlns:a14="http://schemas.microsoft.com/office/drawing/2010/main" xmlns="" w="9525">
+                <a14:hiddenLine xmlns="" xmlns:a14="http://schemas.microsoft.com/office/drawing/2010/main" w="9525">
                   <a:solidFill>
                     <a:srgbClr val="000000"/>
                   </a:solidFill>
@@ -2462,7 +2462,7 @@
             </a:ln>
             <a:extLst>
               <a:ext uri="{91240B29-F687-4f45-9708-019B960494DF}">
-                <a14:hiddenLine xmlns:a14="http://schemas.microsoft.com/office/drawing/2010/main" xmlns="" w="9525">
+                <a14:hiddenLine xmlns="" xmlns:a14="http://schemas.microsoft.com/office/drawing/2010/main" w="9525">
                   <a:solidFill>
                     <a:srgbClr val="000000"/>
                   </a:solidFill>
@@ -2552,7 +2552,7 @@
             </a:ln>
             <a:extLst>
               <a:ext uri="{91240B29-F687-4f45-9708-019B960494DF}">
-                <a14:hiddenLine xmlns:a14="http://schemas.microsoft.com/office/drawing/2010/main" xmlns="" w="9525">
+                <a14:hiddenLine xmlns="" xmlns:a14="http://schemas.microsoft.com/office/drawing/2010/main" w="9525">
                   <a:solidFill>
                     <a:srgbClr val="000000"/>
                   </a:solidFill>
@@ -2608,7 +2608,7 @@
             </a:ln>
             <a:extLst>
               <a:ext uri="{91240B29-F687-4f45-9708-019B960494DF}">
-                <a14:hiddenLine xmlns:a14="http://schemas.microsoft.com/office/drawing/2010/main" xmlns="" w="9525">
+                <a14:hiddenLine xmlns="" xmlns:a14="http://schemas.microsoft.com/office/drawing/2010/main" w="9525">
                   <a:solidFill>
                     <a:srgbClr val="000000"/>
                   </a:solidFill>
@@ -2698,7 +2698,7 @@
             </a:ln>
             <a:extLst>
               <a:ext uri="{91240B29-F687-4f45-9708-019B960494DF}">
-                <a14:hiddenLine xmlns:a14="http://schemas.microsoft.com/office/drawing/2010/main" xmlns="" w="9525">
+                <a14:hiddenLine xmlns="" xmlns:a14="http://schemas.microsoft.com/office/drawing/2010/main" w="9525">
                   <a:solidFill>
                     <a:srgbClr val="000000"/>
                   </a:solidFill>
@@ -2766,7 +2766,7 @@
             </a:ln>
             <a:extLst>
               <a:ext uri="{91240B29-F687-4f45-9708-019B960494DF}">
-                <a14:hiddenLine xmlns:a14="http://schemas.microsoft.com/office/drawing/2010/main" xmlns="" w="9525">
+                <a14:hiddenLine xmlns="" xmlns:a14="http://schemas.microsoft.com/office/drawing/2010/main" w="9525">
                   <a:solidFill>
                     <a:srgbClr val="000000"/>
                   </a:solidFill>
@@ -2856,7 +2856,7 @@
             </a:ln>
             <a:extLst>
               <a:ext uri="{91240B29-F687-4f45-9708-019B960494DF}">
-                <a14:hiddenLine xmlns:a14="http://schemas.microsoft.com/office/drawing/2010/main" xmlns="" w="9525">
+                <a14:hiddenLine xmlns="" xmlns:a14="http://schemas.microsoft.com/office/drawing/2010/main" w="9525">
                   <a:solidFill>
                     <a:srgbClr val="000000"/>
                   </a:solidFill>
@@ -2924,7 +2924,7 @@
             </a:ln>
             <a:extLst>
               <a:ext uri="{91240B29-F687-4f45-9708-019B960494DF}">
-                <a14:hiddenLine xmlns:a14="http://schemas.microsoft.com/office/drawing/2010/main" xmlns="" w="9525">
+                <a14:hiddenLine xmlns="" xmlns:a14="http://schemas.microsoft.com/office/drawing/2010/main" w="9525">
                   <a:solidFill>
                     <a:srgbClr val="000000"/>
                   </a:solidFill>
@@ -3014,7 +3014,7 @@
             </a:ln>
             <a:extLst>
               <a:ext uri="{91240B29-F687-4f45-9708-019B960494DF}">
-                <a14:hiddenLine xmlns:a14="http://schemas.microsoft.com/office/drawing/2010/main" xmlns="" w="9525">
+                <a14:hiddenLine xmlns="" xmlns:a14="http://schemas.microsoft.com/office/drawing/2010/main" w="9525">
                   <a:solidFill>
                     <a:srgbClr val="000000"/>
                   </a:solidFill>
@@ -3048,7 +3048,7 @@
             </a:ln>
             <a:extLst>
               <a:ext uri="{91240B29-F687-4f45-9708-019B960494DF}">
-                <a14:hiddenLine xmlns:a14="http://schemas.microsoft.com/office/drawing/2010/main" xmlns="" w="9525">
+                <a14:hiddenLine xmlns="" xmlns:a14="http://schemas.microsoft.com/office/drawing/2010/main" w="9525">
                   <a:solidFill>
                     <a:srgbClr val="000000"/>
                   </a:solidFill>
@@ -3138,7 +3138,7 @@
             </a:ln>
             <a:extLst>
               <a:ext uri="{91240B29-F687-4f45-9708-019B960494DF}">
-                <a14:hiddenLine xmlns:a14="http://schemas.microsoft.com/office/drawing/2010/main" xmlns="" w="9525">
+                <a14:hiddenLine xmlns="" xmlns:a14="http://schemas.microsoft.com/office/drawing/2010/main" w="9525">
                   <a:solidFill>
                     <a:srgbClr val="000000"/>
                   </a:solidFill>
@@ -3200,7 +3200,7 @@
             </a:ln>
             <a:extLst>
               <a:ext uri="{91240B29-F687-4f45-9708-019B960494DF}">
-                <a14:hiddenLine xmlns:a14="http://schemas.microsoft.com/office/drawing/2010/main" xmlns="" w="9525">
+                <a14:hiddenLine xmlns="" xmlns:a14="http://schemas.microsoft.com/office/drawing/2010/main" w="9525">
                   <a:solidFill>
                     <a:srgbClr val="000000"/>
                   </a:solidFill>
@@ -3262,7 +3262,7 @@
             </a:ln>
             <a:extLst>
               <a:ext uri="{91240B29-F687-4f45-9708-019B960494DF}">
-                <a14:hiddenLine xmlns:a14="http://schemas.microsoft.com/office/drawing/2010/main" xmlns="" w="9525">
+                <a14:hiddenLine xmlns="" xmlns:a14="http://schemas.microsoft.com/office/drawing/2010/main" w="9525">
                   <a:solidFill>
                     <a:srgbClr val="000000"/>
                   </a:solidFill>
@@ -3352,7 +3352,7 @@
             </a:ln>
             <a:extLst>
               <a:ext uri="{91240B29-F687-4f45-9708-019B960494DF}">
-                <a14:hiddenLine xmlns:a14="http://schemas.microsoft.com/office/drawing/2010/main" xmlns="" w="9525">
+                <a14:hiddenLine xmlns="" xmlns:a14="http://schemas.microsoft.com/office/drawing/2010/main" w="9525">
                   <a:solidFill>
                     <a:srgbClr val="000000"/>
                   </a:solidFill>
@@ -3420,7 +3420,7 @@
             </a:ln>
             <a:extLst>
               <a:ext uri="{91240B29-F687-4f45-9708-019B960494DF}">
-                <a14:hiddenLine xmlns:a14="http://schemas.microsoft.com/office/drawing/2010/main" xmlns="" w="9525">
+                <a14:hiddenLine xmlns="" xmlns:a14="http://schemas.microsoft.com/office/drawing/2010/main" w="9525">
                   <a:solidFill>
                     <a:srgbClr val="000000"/>
                   </a:solidFill>
@@ -3482,7 +3482,7 @@
             </a:ln>
             <a:extLst>
               <a:ext uri="{91240B29-F687-4f45-9708-019B960494DF}">
-                <a14:hiddenLine xmlns:a14="http://schemas.microsoft.com/office/drawing/2010/main" xmlns="" w="9525">
+                <a14:hiddenLine xmlns="" xmlns:a14="http://schemas.microsoft.com/office/drawing/2010/main" w="9525">
                   <a:solidFill>
                     <a:srgbClr val="000000"/>
                   </a:solidFill>
@@ -3572,7 +3572,7 @@
             </a:ln>
             <a:extLst>
               <a:ext uri="{91240B29-F687-4f45-9708-019B960494DF}">
-                <a14:hiddenLine xmlns:a14="http://schemas.microsoft.com/office/drawing/2010/main" xmlns="" w="9525">
+                <a14:hiddenLine xmlns="" xmlns:a14="http://schemas.microsoft.com/office/drawing/2010/main" w="9525">
                   <a:solidFill>
                     <a:srgbClr val="000000"/>
                   </a:solidFill>
@@ -3634,7 +3634,7 @@
             </a:ln>
             <a:extLst>
               <a:ext uri="{91240B29-F687-4f45-9708-019B960494DF}">
-                <a14:hiddenLine xmlns:a14="http://schemas.microsoft.com/office/drawing/2010/main" xmlns="" w="9525">
+                <a14:hiddenLine xmlns="" xmlns:a14="http://schemas.microsoft.com/office/drawing/2010/main" w="9525">
                   <a:solidFill>
                     <a:srgbClr val="000000"/>
                   </a:solidFill>
@@ -3724,7 +3724,7 @@
             </a:ln>
             <a:extLst>
               <a:ext uri="{91240B29-F687-4f45-9708-019B960494DF}">
-                <a14:hiddenLine xmlns:a14="http://schemas.microsoft.com/office/drawing/2010/main" xmlns="" w="9525">
+                <a14:hiddenLine xmlns="" xmlns:a14="http://schemas.microsoft.com/office/drawing/2010/main" w="9525">
                   <a:solidFill>
                     <a:srgbClr val="000000"/>
                   </a:solidFill>
@@ -3786,7 +3786,7 @@
             </a:ln>
             <a:extLst>
               <a:ext uri="{91240B29-F687-4f45-9708-019B960494DF}">
-                <a14:hiddenLine xmlns:a14="http://schemas.microsoft.com/office/drawing/2010/main" xmlns="" w="9525">
+                <a14:hiddenLine xmlns="" xmlns:a14="http://schemas.microsoft.com/office/drawing/2010/main" w="9525">
                   <a:solidFill>
                     <a:srgbClr val="000000"/>
                   </a:solidFill>
@@ -3876,7 +3876,7 @@
             </a:ln>
             <a:extLst>
               <a:ext uri="{91240B29-F687-4f45-9708-019B960494DF}">
-                <a14:hiddenLine xmlns:a14="http://schemas.microsoft.com/office/drawing/2010/main" xmlns="" w="9525">
+                <a14:hiddenLine xmlns="" xmlns:a14="http://schemas.microsoft.com/office/drawing/2010/main" w="9525">
                   <a:solidFill>
                     <a:srgbClr val="000000"/>
                   </a:solidFill>
@@ -3910,7 +3910,7 @@
             </a:ln>
             <a:extLst>
               <a:ext uri="{91240B29-F687-4f45-9708-019B960494DF}">
-                <a14:hiddenLine xmlns:a14="http://schemas.microsoft.com/office/drawing/2010/main" xmlns="" w="9525">
+                <a14:hiddenLine xmlns="" xmlns:a14="http://schemas.microsoft.com/office/drawing/2010/main" w="9525">
                   <a:solidFill>
                     <a:srgbClr val="000000"/>
                   </a:solidFill>
@@ -3975,7 +3975,7 @@
             </a:ln>
             <a:extLst>
               <a:ext uri="{91240B29-F687-4f45-9708-019B960494DF}">
-                <a14:hiddenLine xmlns:a14="http://schemas.microsoft.com/office/drawing/2010/main" xmlns="" w="9525">
+                <a14:hiddenLine xmlns="" xmlns:a14="http://schemas.microsoft.com/office/drawing/2010/main" w="9525">
                   <a:solidFill>
                     <a:srgbClr val="000000"/>
                   </a:solidFill>
@@ -4065,7 +4065,7 @@
             </a:ln>
             <a:extLst>
               <a:ext uri="{91240B29-F687-4f45-9708-019B960494DF}">
-                <a14:hiddenLine xmlns:a14="http://schemas.microsoft.com/office/drawing/2010/main" xmlns="" w="9525">
+                <a14:hiddenLine xmlns="" xmlns:a14="http://schemas.microsoft.com/office/drawing/2010/main" w="9525">
                   <a:solidFill>
                     <a:srgbClr val="000000"/>
                   </a:solidFill>
@@ -4127,7 +4127,7 @@
             </a:ln>
             <a:extLst>
               <a:ext uri="{91240B29-F687-4f45-9708-019B960494DF}">
-                <a14:hiddenLine xmlns:a14="http://schemas.microsoft.com/office/drawing/2010/main" xmlns="" w="9525">
+                <a14:hiddenLine xmlns="" xmlns:a14="http://schemas.microsoft.com/office/drawing/2010/main" w="9525">
                   <a:solidFill>
                     <a:srgbClr val="000000"/>
                   </a:solidFill>
@@ -4217,7 +4217,7 @@
             </a:ln>
             <a:extLst>
               <a:ext uri="{91240B29-F687-4f45-9708-019B960494DF}">
-                <a14:hiddenLine xmlns:a14="http://schemas.microsoft.com/office/drawing/2010/main" xmlns="" w="9525">
+                <a14:hiddenLine xmlns="" xmlns:a14="http://schemas.microsoft.com/office/drawing/2010/main" w="9525">
                   <a:solidFill>
                     <a:srgbClr val="000000"/>
                   </a:solidFill>
@@ -4307,7 +4307,7 @@
             </a:ln>
             <a:extLst>
               <a:ext uri="{91240B29-F687-4f45-9708-019B960494DF}">
-                <a14:hiddenLine xmlns:a14="http://schemas.microsoft.com/office/drawing/2010/main" xmlns="" w="9525">
+                <a14:hiddenLine xmlns="" xmlns:a14="http://schemas.microsoft.com/office/drawing/2010/main" w="9525">
                   <a:solidFill>
                     <a:srgbClr val="000000"/>
                   </a:solidFill>
@@ -4372,7 +4372,7 @@
             </a:ln>
             <a:extLst>
               <a:ext uri="{91240B29-F687-4f45-9708-019B960494DF}">
-                <a14:hiddenLine xmlns:a14="http://schemas.microsoft.com/office/drawing/2010/main" xmlns="" w="9525">
+                <a14:hiddenLine xmlns="" xmlns:a14="http://schemas.microsoft.com/office/drawing/2010/main" w="9525">
                   <a:solidFill>
                     <a:srgbClr val="000000"/>
                   </a:solidFill>
@@ -4434,7 +4434,7 @@
             </a:ln>
             <a:extLst>
               <a:ext uri="{91240B29-F687-4f45-9708-019B960494DF}">
-                <a14:hiddenLine xmlns:a14="http://schemas.microsoft.com/office/drawing/2010/main" xmlns="" w="9525">
+                <a14:hiddenLine xmlns="" xmlns:a14="http://schemas.microsoft.com/office/drawing/2010/main" w="9525">
                   <a:solidFill>
                     <a:srgbClr val="000000"/>
                   </a:solidFill>
@@ -4524,7 +4524,7 @@
             </a:ln>
             <a:extLst>
               <a:ext uri="{91240B29-F687-4f45-9708-019B960494DF}">
-                <a14:hiddenLine xmlns:a14="http://schemas.microsoft.com/office/drawing/2010/main" xmlns="" w="9525">
+                <a14:hiddenLine xmlns="" xmlns:a14="http://schemas.microsoft.com/office/drawing/2010/main" w="9525">
                   <a:solidFill>
                     <a:srgbClr val="000000"/>
                   </a:solidFill>
@@ -4614,7 +4614,7 @@
             </a:ln>
             <a:extLst>
               <a:ext uri="{91240B29-F687-4f45-9708-019B960494DF}">
-                <a14:hiddenLine xmlns:a14="http://schemas.microsoft.com/office/drawing/2010/main" xmlns="" w="9525">
+                <a14:hiddenLine xmlns="" xmlns:a14="http://schemas.microsoft.com/office/drawing/2010/main" w="9525">
                   <a:solidFill>
                     <a:srgbClr val="000000"/>
                   </a:solidFill>
@@ -4676,7 +4676,7 @@
             </a:ln>
             <a:extLst>
               <a:ext uri="{91240B29-F687-4f45-9708-019B960494DF}">
-                <a14:hiddenLine xmlns:a14="http://schemas.microsoft.com/office/drawing/2010/main" xmlns="" w="9525">
+                <a14:hiddenLine xmlns="" xmlns:a14="http://schemas.microsoft.com/office/drawing/2010/main" w="9525">
                   <a:solidFill>
                     <a:srgbClr val="000000"/>
                   </a:solidFill>
@@ -4796,7 +4796,7 @@
             </a:ln>
             <a:extLst>
               <a:ext uri="{91240B29-F687-4f45-9708-019B960494DF}">
-                <a14:hiddenLine xmlns:a14="http://schemas.microsoft.com/office/drawing/2010/main" xmlns="" w="9525">
+                <a14:hiddenLine xmlns="" xmlns:a14="http://schemas.microsoft.com/office/drawing/2010/main" w="9525">
                   <a:solidFill>
                     <a:srgbClr val="000000"/>
                   </a:solidFill>
@@ -4864,7 +4864,7 @@
             </a:ln>
             <a:extLst>
               <a:ext uri="{91240B29-F687-4f45-9708-019B960494DF}">
-                <a14:hiddenLine xmlns:a14="http://schemas.microsoft.com/office/drawing/2010/main" xmlns="" w="9525">
+                <a14:hiddenLine xmlns="" xmlns:a14="http://schemas.microsoft.com/office/drawing/2010/main" w="9525">
                   <a:solidFill>
                     <a:srgbClr val="000000"/>
                   </a:solidFill>
@@ -4954,7 +4954,7 @@
             </a:ln>
             <a:extLst>
               <a:ext uri="{91240B29-F687-4f45-9708-019B960494DF}">
-                <a14:hiddenLine xmlns:a14="http://schemas.microsoft.com/office/drawing/2010/main" xmlns="" w="9525">
+                <a14:hiddenLine xmlns="" xmlns:a14="http://schemas.microsoft.com/office/drawing/2010/main" w="9525">
                   <a:solidFill>
                     <a:srgbClr val="000000"/>
                   </a:solidFill>
@@ -9761,7 +9761,7 @@
           <a:noFill/>
           <a:extLst>
             <a:ext uri="{909E8E84-426E-40dd-AFC4-6F175D3DCCD1}">
-              <a14:hiddenFill xmlns:a14="http://schemas.microsoft.com/office/drawing/2010/main" xmlns="">
+              <a14:hiddenFill xmlns="" xmlns:a14="http://schemas.microsoft.com/office/drawing/2010/main">
                 <a:solidFill>
                   <a:srgbClr val="FFFFFF"/>
                 </a:solidFill>
@@ -9835,7 +9835,7 @@
               </a:ln>
               <a:extLst>
                 <a:ext uri="{91240B29-F687-4f45-9708-019B960494DF}">
-                  <a14:hiddenLine xmlns:a14="http://schemas.microsoft.com/office/drawing/2010/main" xmlns="" w="9525">
+                  <a14:hiddenLine xmlns="" xmlns:a14="http://schemas.microsoft.com/office/drawing/2010/main" w="9525">
                     <a:solidFill>
                       <a:srgbClr val="000000"/>
                     </a:solidFill>
@@ -9925,7 +9925,7 @@
               </a:ln>
               <a:extLst>
                 <a:ext uri="{91240B29-F687-4f45-9708-019B960494DF}">
-                  <a14:hiddenLine xmlns:a14="http://schemas.microsoft.com/office/drawing/2010/main" xmlns="" w="9525">
+                  <a14:hiddenLine xmlns="" xmlns:a14="http://schemas.microsoft.com/office/drawing/2010/main" w="9525">
                     <a:solidFill>
                       <a:srgbClr val="000000"/>
                     </a:solidFill>
@@ -10015,7 +10015,7 @@
               </a:ln>
               <a:extLst>
                 <a:ext uri="{91240B29-F687-4f45-9708-019B960494DF}">
-                  <a14:hiddenLine xmlns:a14="http://schemas.microsoft.com/office/drawing/2010/main" xmlns="" w="9525">
+                  <a14:hiddenLine xmlns="" xmlns:a14="http://schemas.microsoft.com/office/drawing/2010/main" w="9525">
                     <a:solidFill>
                       <a:srgbClr val="000000"/>
                     </a:solidFill>
@@ -10077,7 +10077,7 @@
               </a:ln>
               <a:extLst>
                 <a:ext uri="{91240B29-F687-4f45-9708-019B960494DF}">
-                  <a14:hiddenLine xmlns:a14="http://schemas.microsoft.com/office/drawing/2010/main" xmlns="" w="9525">
+                  <a14:hiddenLine xmlns="" xmlns:a14="http://schemas.microsoft.com/office/drawing/2010/main" w="9525">
                     <a:solidFill>
                       <a:srgbClr val="000000"/>
                     </a:solidFill>
@@ -10167,7 +10167,7 @@
               </a:ln>
               <a:extLst>
                 <a:ext uri="{91240B29-F687-4f45-9708-019B960494DF}">
-                  <a14:hiddenLine xmlns:a14="http://schemas.microsoft.com/office/drawing/2010/main" xmlns="" w="9525">
+                  <a14:hiddenLine xmlns="" xmlns:a14="http://schemas.microsoft.com/office/drawing/2010/main" w="9525">
                     <a:solidFill>
                       <a:srgbClr val="000000"/>
                     </a:solidFill>
@@ -10229,7 +10229,7 @@
               </a:ln>
               <a:extLst>
                 <a:ext uri="{91240B29-F687-4f45-9708-019B960494DF}">
-                  <a14:hiddenLine xmlns:a14="http://schemas.microsoft.com/office/drawing/2010/main" xmlns="" w="9525">
+                  <a14:hiddenLine xmlns="" xmlns:a14="http://schemas.microsoft.com/office/drawing/2010/main" w="9525">
                     <a:solidFill>
                       <a:srgbClr val="000000"/>
                     </a:solidFill>
@@ -10291,7 +10291,7 @@
               </a:ln>
               <a:extLst>
                 <a:ext uri="{91240B29-F687-4f45-9708-019B960494DF}">
-                  <a14:hiddenLine xmlns:a14="http://schemas.microsoft.com/office/drawing/2010/main" xmlns="" w="9525">
+                  <a14:hiddenLine xmlns="" xmlns:a14="http://schemas.microsoft.com/office/drawing/2010/main" w="9525">
                     <a:solidFill>
                       <a:srgbClr val="000000"/>
                     </a:solidFill>
@@ -10381,7 +10381,7 @@
               </a:ln>
               <a:extLst>
                 <a:ext uri="{91240B29-F687-4f45-9708-019B960494DF}">
-                  <a14:hiddenLine xmlns:a14="http://schemas.microsoft.com/office/drawing/2010/main" xmlns="" w="9525">
+                  <a14:hiddenLine xmlns="" xmlns:a14="http://schemas.microsoft.com/office/drawing/2010/main" w="9525">
                     <a:solidFill>
                       <a:srgbClr val="000000"/>
                     </a:solidFill>
@@ -10471,7 +10471,7 @@
               </a:ln>
               <a:extLst>
                 <a:ext uri="{91240B29-F687-4f45-9708-019B960494DF}">
-                  <a14:hiddenLine xmlns:a14="http://schemas.microsoft.com/office/drawing/2010/main" xmlns="" w="9525">
+                  <a14:hiddenLine xmlns="" xmlns:a14="http://schemas.microsoft.com/office/drawing/2010/main" w="9525">
                     <a:solidFill>
                       <a:srgbClr val="000000"/>
                     </a:solidFill>
@@ -10533,7 +10533,7 @@
               </a:ln>
               <a:extLst>
                 <a:ext uri="{91240B29-F687-4f45-9708-019B960494DF}">
-                  <a14:hiddenLine xmlns:a14="http://schemas.microsoft.com/office/drawing/2010/main" xmlns="" w="9525">
+                  <a14:hiddenLine xmlns="" xmlns:a14="http://schemas.microsoft.com/office/drawing/2010/main" w="9525">
                     <a:solidFill>
                       <a:srgbClr val="000000"/>
                     </a:solidFill>
@@ -10643,7 +10643,7 @@
               </a:ln>
               <a:extLst>
                 <a:ext uri="{91240B29-F687-4f45-9708-019B960494DF}">
-                  <a14:hiddenLine xmlns:a14="http://schemas.microsoft.com/office/drawing/2010/main" xmlns="" w="9525">
+                  <a14:hiddenLine xmlns="" xmlns:a14="http://schemas.microsoft.com/office/drawing/2010/main" w="9525">
                     <a:solidFill>
                       <a:srgbClr val="000000"/>
                     </a:solidFill>
@@ -10727,7 +10727,7 @@
               </a:ln>
               <a:extLst>
                 <a:ext uri="{91240B29-F687-4f45-9708-019B960494DF}">
-                  <a14:hiddenLine xmlns:a14="http://schemas.microsoft.com/office/drawing/2010/main" xmlns="" w="9525">
+                  <a14:hiddenLine xmlns="" xmlns:a14="http://schemas.microsoft.com/office/drawing/2010/main" w="9525">
                     <a:solidFill>
                       <a:srgbClr val="000000"/>
                     </a:solidFill>
@@ -10789,7 +10789,7 @@
               </a:ln>
               <a:extLst>
                 <a:ext uri="{91240B29-F687-4f45-9708-019B960494DF}">
-                  <a14:hiddenLine xmlns:a14="http://schemas.microsoft.com/office/drawing/2010/main" xmlns="" w="9525">
+                  <a14:hiddenLine xmlns="" xmlns:a14="http://schemas.microsoft.com/office/drawing/2010/main" w="9525">
                     <a:solidFill>
                       <a:srgbClr val="000000"/>
                     </a:solidFill>
@@ -10851,7 +10851,7 @@
               </a:ln>
               <a:extLst>
                 <a:ext uri="{91240B29-F687-4f45-9708-019B960494DF}">
-                  <a14:hiddenLine xmlns:a14="http://schemas.microsoft.com/office/drawing/2010/main" xmlns="" w="9525">
+                  <a14:hiddenLine xmlns="" xmlns:a14="http://schemas.microsoft.com/office/drawing/2010/main" w="9525">
                     <a:solidFill>
                       <a:srgbClr val="000000"/>
                     </a:solidFill>
@@ -10941,7 +10941,7 @@
               </a:ln>
               <a:extLst>
                 <a:ext uri="{91240B29-F687-4f45-9708-019B960494DF}">
-                  <a14:hiddenLine xmlns:a14="http://schemas.microsoft.com/office/drawing/2010/main" xmlns="" w="9525">
+                  <a14:hiddenLine xmlns="" xmlns:a14="http://schemas.microsoft.com/office/drawing/2010/main" w="9525">
                     <a:solidFill>
                       <a:srgbClr val="000000"/>
                     </a:solidFill>
@@ -10975,7 +10975,7 @@
               </a:ln>
               <a:extLst>
                 <a:ext uri="{91240B29-F687-4f45-9708-019B960494DF}">
-                  <a14:hiddenLine xmlns:a14="http://schemas.microsoft.com/office/drawing/2010/main" xmlns="" w="9525">
+                  <a14:hiddenLine xmlns="" xmlns:a14="http://schemas.microsoft.com/office/drawing/2010/main" w="9525">
                     <a:solidFill>
                       <a:srgbClr val="000000"/>
                     </a:solidFill>
@@ -11040,7 +11040,7 @@
               </a:ln>
               <a:extLst>
                 <a:ext uri="{91240B29-F687-4f45-9708-019B960494DF}">
-                  <a14:hiddenLine xmlns:a14="http://schemas.microsoft.com/office/drawing/2010/main" xmlns="" w="9525">
+                  <a14:hiddenLine xmlns="" xmlns:a14="http://schemas.microsoft.com/office/drawing/2010/main" w="9525">
                     <a:solidFill>
                       <a:srgbClr val="000000"/>
                     </a:solidFill>
@@ -11130,7 +11130,7 @@
               </a:ln>
               <a:extLst>
                 <a:ext uri="{91240B29-F687-4f45-9708-019B960494DF}">
-                  <a14:hiddenLine xmlns:a14="http://schemas.microsoft.com/office/drawing/2010/main" xmlns="" w="9525">
+                  <a14:hiddenLine xmlns="" xmlns:a14="http://schemas.microsoft.com/office/drawing/2010/main" w="9525">
                     <a:solidFill>
                       <a:srgbClr val="000000"/>
                     </a:solidFill>
@@ -11192,7 +11192,7 @@
               </a:ln>
               <a:extLst>
                 <a:ext uri="{91240B29-F687-4f45-9708-019B960494DF}">
-                  <a14:hiddenLine xmlns:a14="http://schemas.microsoft.com/office/drawing/2010/main" xmlns="" w="9525">
+                  <a14:hiddenLine xmlns="" xmlns:a14="http://schemas.microsoft.com/office/drawing/2010/main" w="9525">
                     <a:solidFill>
                       <a:srgbClr val="000000"/>
                     </a:solidFill>
@@ -11282,7 +11282,7 @@
               </a:ln>
               <a:extLst>
                 <a:ext uri="{91240B29-F687-4f45-9708-019B960494DF}">
-                  <a14:hiddenLine xmlns:a14="http://schemas.microsoft.com/office/drawing/2010/main" xmlns="" w="9525">
+                  <a14:hiddenLine xmlns="" xmlns:a14="http://schemas.microsoft.com/office/drawing/2010/main" w="9525">
                     <a:solidFill>
                       <a:srgbClr val="000000"/>
                     </a:solidFill>
@@ -11347,7 +11347,7 @@
               </a:ln>
               <a:extLst>
                 <a:ext uri="{91240B29-F687-4f45-9708-019B960494DF}">
-                  <a14:hiddenLine xmlns:a14="http://schemas.microsoft.com/office/drawing/2010/main" xmlns="" w="9525">
+                  <a14:hiddenLine xmlns="" xmlns:a14="http://schemas.microsoft.com/office/drawing/2010/main" w="9525">
                     <a:solidFill>
                       <a:srgbClr val="000000"/>
                     </a:solidFill>
@@ -11409,7 +11409,7 @@
               </a:ln>
               <a:extLst>
                 <a:ext uri="{91240B29-F687-4f45-9708-019B960494DF}">
-                  <a14:hiddenLine xmlns:a14="http://schemas.microsoft.com/office/drawing/2010/main" xmlns="" w="9525">
+                  <a14:hiddenLine xmlns="" xmlns:a14="http://schemas.microsoft.com/office/drawing/2010/main" w="9525">
                     <a:solidFill>
                       <a:srgbClr val="000000"/>
                     </a:solidFill>
@@ -11499,7 +11499,7 @@
               </a:ln>
               <a:extLst>
                 <a:ext uri="{91240B29-F687-4f45-9708-019B960494DF}">
-                  <a14:hiddenLine xmlns:a14="http://schemas.microsoft.com/office/drawing/2010/main" xmlns="" w="9525">
+                  <a14:hiddenLine xmlns="" xmlns:a14="http://schemas.microsoft.com/office/drawing/2010/main" w="9525">
                     <a:solidFill>
                       <a:srgbClr val="000000"/>
                     </a:solidFill>
@@ -11589,7 +11589,7 @@
               </a:ln>
               <a:extLst>
                 <a:ext uri="{91240B29-F687-4f45-9708-019B960494DF}">
-                  <a14:hiddenLine xmlns:a14="http://schemas.microsoft.com/office/drawing/2010/main" xmlns="" w="9525">
+                  <a14:hiddenLine xmlns="" xmlns:a14="http://schemas.microsoft.com/office/drawing/2010/main" w="9525">
                     <a:solidFill>
                       <a:srgbClr val="000000"/>
                     </a:solidFill>
@@ -11654,7 +11654,7 @@
               </a:ln>
               <a:extLst>
                 <a:ext uri="{91240B29-F687-4f45-9708-019B960494DF}">
-                  <a14:hiddenLine xmlns:a14="http://schemas.microsoft.com/office/drawing/2010/main" xmlns="" w="9525">
+                  <a14:hiddenLine xmlns="" xmlns:a14="http://schemas.microsoft.com/office/drawing/2010/main" w="9525">
                     <a:solidFill>
                       <a:srgbClr val="000000"/>
                     </a:solidFill>
@@ -11774,7 +11774,7 @@
               </a:ln>
               <a:extLst>
                 <a:ext uri="{91240B29-F687-4f45-9708-019B960494DF}">
-                  <a14:hiddenLine xmlns:a14="http://schemas.microsoft.com/office/drawing/2010/main" xmlns="" w="9525">
+                  <a14:hiddenLine xmlns="" xmlns:a14="http://schemas.microsoft.com/office/drawing/2010/main" w="9525">
                     <a:solidFill>
                       <a:srgbClr val="000000"/>
                     </a:solidFill>
@@ -11872,7 +11872,7 @@
               </a:ln>
               <a:extLst>
                 <a:ext uri="{91240B29-F687-4f45-9708-019B960494DF}">
-                  <a14:hiddenLine xmlns:a14="http://schemas.microsoft.com/office/drawing/2010/main" xmlns="" w="9525">
+                  <a14:hiddenLine xmlns="" xmlns:a14="http://schemas.microsoft.com/office/drawing/2010/main" w="9525">
                     <a:solidFill>
                       <a:srgbClr val="000000"/>
                     </a:solidFill>
@@ -11987,7 +11987,7 @@
               </a:ln>
               <a:extLst>
                 <a:ext uri="{91240B29-F687-4f45-9708-019B960494DF}">
-                  <a14:hiddenLine xmlns:a14="http://schemas.microsoft.com/office/drawing/2010/main" xmlns="" w="9525">
+                  <a14:hiddenLine xmlns="" xmlns:a14="http://schemas.microsoft.com/office/drawing/2010/main" w="9525">
                     <a:solidFill>
                       <a:srgbClr val="000000"/>
                     </a:solidFill>
@@ -12077,7 +12077,7 @@
               </a:ln>
               <a:extLst>
                 <a:ext uri="{91240B29-F687-4f45-9708-019B960494DF}">
-                  <a14:hiddenLine xmlns:a14="http://schemas.microsoft.com/office/drawing/2010/main" xmlns="" w="9525">
+                  <a14:hiddenLine xmlns="" xmlns:a14="http://schemas.microsoft.com/office/drawing/2010/main" w="9525">
                     <a:solidFill>
                       <a:srgbClr val="000000"/>
                     </a:solidFill>
@@ -12142,7 +12142,7 @@
               </a:ln>
               <a:extLst>
                 <a:ext uri="{91240B29-F687-4f45-9708-019B960494DF}">
-                  <a14:hiddenLine xmlns:a14="http://schemas.microsoft.com/office/drawing/2010/main" xmlns="" w="9525">
+                  <a14:hiddenLine xmlns="" xmlns:a14="http://schemas.microsoft.com/office/drawing/2010/main" w="9525">
                     <a:solidFill>
                       <a:srgbClr val="000000"/>
                     </a:solidFill>
@@ -12232,7 +12232,7 @@
               </a:ln>
               <a:extLst>
                 <a:ext uri="{91240B29-F687-4f45-9708-019B960494DF}">
-                  <a14:hiddenLine xmlns:a14="http://schemas.microsoft.com/office/drawing/2010/main" xmlns="" w="9525">
+                  <a14:hiddenLine xmlns="" xmlns:a14="http://schemas.microsoft.com/office/drawing/2010/main" w="9525">
                     <a:solidFill>
                       <a:srgbClr val="000000"/>
                     </a:solidFill>
@@ -12300,7 +12300,7 @@
               </a:ln>
               <a:extLst>
                 <a:ext uri="{91240B29-F687-4f45-9708-019B960494DF}">
-                  <a14:hiddenLine xmlns:a14="http://schemas.microsoft.com/office/drawing/2010/main" xmlns="" w="9525">
+                  <a14:hiddenLine xmlns="" xmlns:a14="http://schemas.microsoft.com/office/drawing/2010/main" w="9525">
                     <a:solidFill>
                       <a:srgbClr val="000000"/>
                     </a:solidFill>
@@ -12390,7 +12390,7 @@
               </a:ln>
               <a:extLst>
                 <a:ext uri="{91240B29-F687-4f45-9708-019B960494DF}">
-                  <a14:hiddenLine xmlns:a14="http://schemas.microsoft.com/office/drawing/2010/main" xmlns="" w="9525">
+                  <a14:hiddenLine xmlns="" xmlns:a14="http://schemas.microsoft.com/office/drawing/2010/main" w="9525">
                     <a:solidFill>
                       <a:srgbClr val="000000"/>
                     </a:solidFill>
@@ -12458,7 +12458,7 @@
               </a:ln>
               <a:extLst>
                 <a:ext uri="{91240B29-F687-4f45-9708-019B960494DF}">
-                  <a14:hiddenLine xmlns:a14="http://schemas.microsoft.com/office/drawing/2010/main" xmlns="" w="9525">
+                  <a14:hiddenLine xmlns="" xmlns:a14="http://schemas.microsoft.com/office/drawing/2010/main" w="9525">
                     <a:solidFill>
                       <a:srgbClr val="000000"/>
                     </a:solidFill>
@@ -12548,7 +12548,7 @@
               </a:ln>
               <a:extLst>
                 <a:ext uri="{91240B29-F687-4f45-9708-019B960494DF}">
-                  <a14:hiddenLine xmlns:a14="http://schemas.microsoft.com/office/drawing/2010/main" xmlns="" w="9525">
+                  <a14:hiddenLine xmlns="" xmlns:a14="http://schemas.microsoft.com/office/drawing/2010/main" w="9525">
                     <a:solidFill>
                       <a:srgbClr val="000000"/>
                     </a:solidFill>
@@ -12582,7 +12582,7 @@
               </a:ln>
               <a:extLst>
                 <a:ext uri="{91240B29-F687-4f45-9708-019B960494DF}">
-                  <a14:hiddenLine xmlns:a14="http://schemas.microsoft.com/office/drawing/2010/main" xmlns="" w="9525">
+                  <a14:hiddenLine xmlns="" xmlns:a14="http://schemas.microsoft.com/office/drawing/2010/main" w="9525">
                     <a:solidFill>
                       <a:srgbClr val="000000"/>
                     </a:solidFill>
@@ -13461,6 +13461,7 @@
       <p:pic>
         <p:nvPicPr>
           <p:cNvPr id="5" name="Espace réservé du contenu 4" descr="Diagram&#10;&#10;Description générée automatiquement">
+            <a:hlinkClick r:id="rId3"/>
             <a:extLst>
               <a:ext uri="{FF2B5EF4-FFF2-40B4-BE49-F238E27FC236}">
                 <a16:creationId xmlns:a16="http://schemas.microsoft.com/office/drawing/2014/main" id="{AC7E21EE-0BE8-A5F0-0DD6-7F9A8FD0894A}"/>
@@ -13475,7 +13476,7 @@
           </p:nvPr>
         </p:nvPicPr>
         <p:blipFill>
-          <a:blip r:embed="rId3">
+          <a:blip r:embed="rId4">
             <a:extLst>
               <a:ext uri="{28A0092B-C50C-407E-A947-70E740481C1C}">
                 <a14:useLocalDpi xmlns:a14="http://schemas.microsoft.com/office/drawing/2010/main" val="0"/>
@@ -13567,6 +13568,7 @@
       <p:pic>
         <p:nvPicPr>
           <p:cNvPr id="7" name="Espace réservé du contenu 6" descr="Diagram&#10;&#10;Description générée automatiquement">
+            <a:hlinkClick r:id="rId3"/>
             <a:extLst>
               <a:ext uri="{FF2B5EF4-FFF2-40B4-BE49-F238E27FC236}">
                 <a16:creationId xmlns:a16="http://schemas.microsoft.com/office/drawing/2014/main" id="{56A2CB20-EF90-1446-FD0E-D9688481E908}"/>
@@ -13581,7 +13583,7 @@
           </p:nvPr>
         </p:nvPicPr>
         <p:blipFill>
-          <a:blip r:embed="rId3">
+          <a:blip r:embed="rId4">
             <a:extLst>
               <a:ext uri="{28A0092B-C50C-407E-A947-70E740481C1C}">
                 <a14:useLocalDpi xmlns:a14="http://schemas.microsoft.com/office/drawing/2010/main" val="0"/>
@@ -13688,6 +13690,7 @@
       <p:pic>
         <p:nvPicPr>
           <p:cNvPr id="5" name="Espace réservé du contenu 4" descr="Diagram">
+            <a:hlinkClick r:id="rId3"/>
             <a:extLst>
               <a:ext uri="{FF2B5EF4-FFF2-40B4-BE49-F238E27FC236}">
                 <a16:creationId xmlns:a16="http://schemas.microsoft.com/office/drawing/2014/main" id="{279F2415-4566-63E3-71FE-4300B6702D03}"/>
@@ -13702,7 +13705,7 @@
           </p:nvPr>
         </p:nvPicPr>
         <p:blipFill>
-          <a:blip r:embed="rId3">
+          <a:blip r:embed="rId4">
             <a:extLst>
               <a:ext uri="{28A0092B-C50C-407E-A947-70E740481C1C}">
                 <a14:useLocalDpi xmlns:a14="http://schemas.microsoft.com/office/drawing/2010/main" val="0"/>
@@ -13794,6 +13797,7 @@
       <p:pic>
         <p:nvPicPr>
           <p:cNvPr id="5" name="Espace réservé du contenu 4" descr="Diagram&#10;&#10;Description générée automatiquement">
+            <a:hlinkClick r:id="rId3"/>
             <a:extLst>
               <a:ext uri="{FF2B5EF4-FFF2-40B4-BE49-F238E27FC236}">
                 <a16:creationId xmlns:a16="http://schemas.microsoft.com/office/drawing/2014/main" id="{3FBFFB49-A533-0223-A474-D5B792F1EB4F}"/>
@@ -13808,7 +13812,7 @@
           </p:nvPr>
         </p:nvPicPr>
         <p:blipFill>
-          <a:blip r:embed="rId3">
+          <a:blip r:embed="rId4">
             <a:extLst>
               <a:ext uri="{28A0092B-C50C-407E-A947-70E740481C1C}">
                 <a14:useLocalDpi xmlns:a14="http://schemas.microsoft.com/office/drawing/2010/main" val="0"/>
